--- a/DatSciProject_Draft.pptx
+++ b/DatSciProject_Draft.pptx
@@ -8,15 +8,16 @@
     <p:sldId id="256" r:id="rId2"/>
     <p:sldId id="261" r:id="rId3"/>
     <p:sldId id="260" r:id="rId4"/>
-    <p:sldId id="266" r:id="rId5"/>
-    <p:sldId id="267" r:id="rId6"/>
-    <p:sldId id="265" r:id="rId7"/>
-    <p:sldId id="263" r:id="rId8"/>
-    <p:sldId id="264" r:id="rId9"/>
-    <p:sldId id="257" r:id="rId10"/>
-    <p:sldId id="259" r:id="rId11"/>
-    <p:sldId id="262" r:id="rId12"/>
-    <p:sldId id="258" r:id="rId13"/>
+    <p:sldId id="267" r:id="rId5"/>
+    <p:sldId id="266" r:id="rId6"/>
+    <p:sldId id="268" r:id="rId7"/>
+    <p:sldId id="265" r:id="rId8"/>
+    <p:sldId id="263" r:id="rId9"/>
+    <p:sldId id="264" r:id="rId10"/>
+    <p:sldId id="257" r:id="rId11"/>
+    <p:sldId id="259" r:id="rId12"/>
+    <p:sldId id="262" r:id="rId13"/>
+    <p:sldId id="258" r:id="rId14"/>
   </p:sldIdLst>
   <p:sldSz cx="9144000" cy="6858000" type="screen4x3"/>
   <p:notesSz cx="6858000" cy="9144000"/>
@@ -401,7 +402,7 @@
           <a:p>
             <a:fld id="{B01F9CA3-105E-4857-9057-6DB6197DA786}" type="datetimeFigureOut">
               <a:rPr lang="en-US" smtClean="0"/>
-              <a:t>12/1/15</a:t>
+              <a:t>12/3/15</a:t>
             </a:fld>
             <a:endParaRPr lang="en-US"/>
           </a:p>
@@ -593,7 +594,7 @@
           <a:p>
             <a:fld id="{B01F9CA3-105E-4857-9057-6DB6197DA786}" type="datetimeFigureOut">
               <a:rPr lang="en-US" smtClean="0"/>
-              <a:t>12/1/15</a:t>
+              <a:t>12/3/15</a:t>
             </a:fld>
             <a:endParaRPr lang="en-US"/>
           </a:p>
@@ -862,7 +863,7 @@
           <a:p>
             <a:fld id="{B01F9CA3-105E-4857-9057-6DB6197DA786}" type="datetimeFigureOut">
               <a:rPr lang="en-US" smtClean="0"/>
-              <a:t>12/1/15</a:t>
+              <a:t>12/3/15</a:t>
             </a:fld>
             <a:endParaRPr lang="en-US"/>
           </a:p>
@@ -1041,7 +1042,7 @@
           <a:p>
             <a:fld id="{B01F9CA3-105E-4857-9057-6DB6197DA786}" type="datetimeFigureOut">
               <a:rPr lang="en-US" smtClean="0"/>
-              <a:t>12/1/15</a:t>
+              <a:t>12/3/15</a:t>
             </a:fld>
             <a:endParaRPr lang="en-US"/>
           </a:p>
@@ -1210,7 +1211,7 @@
           <a:p>
             <a:fld id="{B01F9CA3-105E-4857-9057-6DB6197DA786}" type="datetimeFigureOut">
               <a:rPr lang="en-US" smtClean="0"/>
-              <a:t>12/1/15</a:t>
+              <a:t>12/3/15</a:t>
             </a:fld>
             <a:endParaRPr lang="en-US"/>
           </a:p>
@@ -1452,7 +1453,7 @@
           <a:p>
             <a:fld id="{B01F9CA3-105E-4857-9057-6DB6197DA786}" type="datetimeFigureOut">
               <a:rPr lang="en-US" smtClean="0"/>
-              <a:t>12/1/15</a:t>
+              <a:t>12/3/15</a:t>
             </a:fld>
             <a:endParaRPr lang="en-US"/>
           </a:p>
@@ -1775,7 +1776,7 @@
           <a:p>
             <a:fld id="{B01F9CA3-105E-4857-9057-6DB6197DA786}" type="datetimeFigureOut">
               <a:rPr lang="en-US" smtClean="0"/>
-              <a:t>12/1/15</a:t>
+              <a:t>12/3/15</a:t>
             </a:fld>
             <a:endParaRPr lang="en-US"/>
           </a:p>
@@ -2073,7 +2074,7 @@
           <a:p>
             <a:fld id="{B01F9CA3-105E-4857-9057-6DB6197DA786}" type="datetimeFigureOut">
               <a:rPr lang="en-US" smtClean="0"/>
-              <a:t>12/1/15</a:t>
+              <a:t>12/3/15</a:t>
             </a:fld>
             <a:endParaRPr lang="en-US"/>
           </a:p>
@@ -2529,7 +2530,7 @@
           <a:p>
             <a:fld id="{B01F9CA3-105E-4857-9057-6DB6197DA786}" type="datetimeFigureOut">
               <a:rPr lang="en-US" smtClean="0"/>
-              <a:t>12/1/15</a:t>
+              <a:t>12/3/15</a:t>
             </a:fld>
             <a:endParaRPr lang="en-US"/>
           </a:p>
@@ -2642,7 +2643,7 @@
           <a:p>
             <a:fld id="{B01F9CA3-105E-4857-9057-6DB6197DA786}" type="datetimeFigureOut">
               <a:rPr lang="en-US" smtClean="0"/>
-              <a:t>12/1/15</a:t>
+              <a:t>12/3/15</a:t>
             </a:fld>
             <a:endParaRPr lang="en-US"/>
           </a:p>
@@ -2732,7 +2733,7 @@
           <a:p>
             <a:fld id="{B01F9CA3-105E-4857-9057-6DB6197DA786}" type="datetimeFigureOut">
               <a:rPr lang="en-US" smtClean="0"/>
-              <a:t>12/1/15</a:t>
+              <a:t>12/3/15</a:t>
             </a:fld>
             <a:endParaRPr lang="en-US"/>
           </a:p>
@@ -3014,7 +3015,7 @@
           <a:p>
             <a:fld id="{B01F9CA3-105E-4857-9057-6DB6197DA786}" type="datetimeFigureOut">
               <a:rPr lang="en-US" smtClean="0"/>
-              <a:t>12/1/15</a:t>
+              <a:t>12/3/15</a:t>
             </a:fld>
             <a:endParaRPr lang="en-US"/>
           </a:p>
@@ -3220,7 +3221,7 @@
           <a:p>
             <a:fld id="{B01F9CA3-105E-4857-9057-6DB6197DA786}" type="datetimeFigureOut">
               <a:rPr lang="en-US" smtClean="0"/>
-              <a:t>12/1/15</a:t>
+              <a:t>12/3/15</a:t>
             </a:fld>
             <a:endParaRPr lang="en-US"/>
           </a:p>
@@ -3733,7 +3734,7 @@
 </file>
 
 <file path=ppt/slides/slide10.xml><?xml version="1.0" encoding="utf-8"?>
-<p:sld xmlns:a="http://schemas.openxmlformats.org/drawingml/2006/main" xmlns:r="http://schemas.openxmlformats.org/officeDocument/2006/relationships" xmlns:p="http://schemas.openxmlformats.org/presentationml/2006/main">
+<p:sld xmlns:a="http://schemas.openxmlformats.org/drawingml/2006/main" xmlns:r="http://schemas.openxmlformats.org/officeDocument/2006/relationships" xmlns:p="http://schemas.openxmlformats.org/presentationml/2006/main" show="0">
   <p:cSld>
     <p:spTree>
       <p:nvGrpSpPr>
@@ -3766,6 +3767,134 @@
           <a:p>
             <a:r>
               <a:rPr lang="en-US" dirty="0" smtClean="0"/>
+              <a:t>Based on what evidence?</a:t>
+            </a:r>
+            <a:endParaRPr lang="en-US" dirty="0"/>
+          </a:p>
+        </p:txBody>
+      </p:sp>
+      <p:sp>
+        <p:nvSpPr>
+          <p:cNvPr id="3" name="Content Placeholder 2"/>
+          <p:cNvSpPr>
+            <a:spLocks noGrp="1"/>
+          </p:cNvSpPr>
+          <p:nvPr>
+            <p:ph idx="1"/>
+          </p:nvPr>
+        </p:nvSpPr>
+        <p:spPr/>
+        <p:txBody>
+          <a:bodyPr>
+            <a:normAutofit lnSpcReduction="10000"/>
+          </a:bodyPr>
+          <a:lstStyle/>
+          <a:p>
+            <a:r>
+              <a:rPr lang="en-US" dirty="0" smtClean="0"/>
+              <a:t>In 2012, Mintel Menu Insights* reported a 66% increase in vegetarian menu options, with a reported 61% positive consumer reviews</a:t>
+            </a:r>
+          </a:p>
+          <a:p>
+            <a:r>
+              <a:rPr lang="en-US" dirty="0" smtClean="0"/>
+              <a:t>In 2013, the National Restaurant Association* surveyed 1,300 professional chefs for top food trends in restaurants, almost 60% said vegetarian dishes would be a new trend</a:t>
+            </a:r>
+          </a:p>
+          <a:p>
+            <a:r>
+              <a:rPr lang="en-US" dirty="0" smtClean="0"/>
+              <a:t>In 2015, OSU introduced its new kelp strain that tastes like bacon and the World Health Organization released research that real bacon can be as much a cancer-causing agent as cigarettes</a:t>
+            </a:r>
+            <a:endParaRPr lang="en-US" dirty="0"/>
+          </a:p>
+        </p:txBody>
+      </p:sp>
+      <p:sp>
+        <p:nvSpPr>
+          <p:cNvPr id="4" name="TextBox 3"/>
+          <p:cNvSpPr txBox="1"/>
+          <p:nvPr/>
+        </p:nvSpPr>
+        <p:spPr>
+          <a:xfrm>
+            <a:off x="4991100" y="6496448"/>
+            <a:ext cx="4152900" cy="307777"/>
+          </a:xfrm>
+          <a:prstGeom prst="rect">
+            <a:avLst/>
+          </a:prstGeom>
+          <a:noFill/>
+        </p:spPr>
+        <p:txBody>
+          <a:bodyPr wrap="square" rtlCol="0">
+            <a:spAutoFit/>
+          </a:bodyPr>
+          <a:lstStyle/>
+          <a:p>
+            <a:r>
+              <a:rPr lang="en-US" sz="1400" dirty="0" smtClean="0"/>
+              <a:t>*Datasets are private and couldn’t verify data</a:t>
+            </a:r>
+            <a:endParaRPr lang="en-US" sz="1400" dirty="0"/>
+          </a:p>
+        </p:txBody>
+      </p:sp>
+    </p:spTree>
+    <p:extLst>
+      <p:ext uri="{BB962C8B-B14F-4D97-AF65-F5344CB8AC3E}">
+        <p14:creationId xmlns:p14="http://schemas.microsoft.com/office/powerpoint/2010/main" val="3690556285"/>
+      </p:ext>
+    </p:extLst>
+  </p:cSld>
+  <p:clrMapOvr>
+    <a:masterClrMapping/>
+  </p:clrMapOvr>
+  <mc:AlternateContent xmlns:mc="http://schemas.openxmlformats.org/markup-compatibility/2006">
+    <mc:Choice xmlns:p14="http://schemas.microsoft.com/office/powerpoint/2010/main" Requires="p14">
+      <p:transition spd="slow" p14:dur="2000"/>
+    </mc:Choice>
+    <mc:Fallback>
+      <p:transition xmlns:p14="http://schemas.microsoft.com/office/powerpoint/2010/main" spd="slow"/>
+    </mc:Fallback>
+  </mc:AlternateContent>
+</p:sld>
+</file>
+
+<file path=ppt/slides/slide11.xml><?xml version="1.0" encoding="utf-8"?>
+<p:sld xmlns:a="http://schemas.openxmlformats.org/drawingml/2006/main" xmlns:r="http://schemas.openxmlformats.org/officeDocument/2006/relationships" xmlns:p="http://schemas.openxmlformats.org/presentationml/2006/main" show="0">
+  <p:cSld>
+    <p:spTree>
+      <p:nvGrpSpPr>
+        <p:cNvPr id="1" name=""/>
+        <p:cNvGrpSpPr/>
+        <p:nvPr/>
+      </p:nvGrpSpPr>
+      <p:grpSpPr>
+        <a:xfrm>
+          <a:off x="0" y="0"/>
+          <a:ext cx="0" cy="0"/>
+          <a:chOff x="0" y="0"/>
+          <a:chExt cx="0" cy="0"/>
+        </a:xfrm>
+      </p:grpSpPr>
+      <p:sp>
+        <p:nvSpPr>
+          <p:cNvPr id="2" name="Title 1"/>
+          <p:cNvSpPr>
+            <a:spLocks noGrp="1"/>
+          </p:cNvSpPr>
+          <p:nvPr>
+            <p:ph type="title"/>
+          </p:nvPr>
+        </p:nvSpPr>
+        <p:spPr/>
+        <p:txBody>
+          <a:bodyPr/>
+          <a:lstStyle/>
+          <a:p>
+            <a:r>
+              <a:rPr lang="en-US" dirty="0" smtClean="0"/>
               <a:t>And on the home front:</a:t>
             </a:r>
             <a:endParaRPr lang="en-US" dirty="0"/>
@@ -3848,11 +3977,7 @@
           <a:p>
             <a:r>
               <a:rPr lang="en-US" dirty="0" smtClean="0"/>
-              <a:t>Nonmeat </a:t>
-            </a:r>
-            <a:r>
-              <a:rPr lang="en-US" dirty="0" smtClean="0"/>
-              <a:t>butcher spaces, such as the The Herbivorous Butcher in Minneapolis, are gaining funding through </a:t>
+              <a:t>Nonmeat butcher spaces, such as the The Herbivorous Butcher in Minneapolis, are gaining funding through </a:t>
             </a:r>
             <a:r>
               <a:rPr lang="en-US" dirty="0" err="1" smtClean="0"/>
@@ -3860,15 +3985,7 @@
             </a:r>
             <a:r>
               <a:rPr lang="en-US" dirty="0" smtClean="0"/>
-              <a:t> campaigns </a:t>
-            </a:r>
-            <a:r>
-              <a:rPr lang="en-US" dirty="0" smtClean="0"/>
-              <a:t>(spaces up </a:t>
-            </a:r>
-            <a:r>
-              <a:rPr lang="en-US" dirty="0" smtClean="0"/>
-              <a:t>200% since 2014)</a:t>
+              <a:t> campaigns (spaces up 200% since 2014)</a:t>
             </a:r>
           </a:p>
           <a:p>
@@ -3889,11 +4006,19 @@
   <p:clrMapOvr>
     <a:masterClrMapping/>
   </p:clrMapOvr>
+  <mc:AlternateContent xmlns:mc="http://schemas.openxmlformats.org/markup-compatibility/2006">
+    <mc:Choice xmlns:p14="http://schemas.microsoft.com/office/powerpoint/2010/main" Requires="p14">
+      <p:transition spd="slow" p14:dur="2000"/>
+    </mc:Choice>
+    <mc:Fallback>
+      <p:transition xmlns:p14="http://schemas.microsoft.com/office/powerpoint/2010/main" spd="slow"/>
+    </mc:Fallback>
+  </mc:AlternateContent>
 </p:sld>
 </file>
 
-<file path=ppt/slides/slide11.xml><?xml version="1.0" encoding="utf-8"?>
-<p:sld xmlns:a="http://schemas.openxmlformats.org/drawingml/2006/main" xmlns:r="http://schemas.openxmlformats.org/officeDocument/2006/relationships" xmlns:p="http://schemas.openxmlformats.org/presentationml/2006/main">
+<file path=ppt/slides/slide12.xml><?xml version="1.0" encoding="utf-8"?>
+<p:sld xmlns:a="http://schemas.openxmlformats.org/drawingml/2006/main" xmlns:r="http://schemas.openxmlformats.org/officeDocument/2006/relationships" xmlns:p="http://schemas.openxmlformats.org/presentationml/2006/main" show="0">
   <p:cSld>
     <p:spTree>
       <p:nvGrpSpPr>
@@ -4045,10 +4170,18 @@
   <p:clrMapOvr>
     <a:masterClrMapping/>
   </p:clrMapOvr>
+  <mc:AlternateContent xmlns:mc="http://schemas.openxmlformats.org/markup-compatibility/2006">
+    <mc:Choice xmlns:p14="http://schemas.microsoft.com/office/powerpoint/2010/main" Requires="p14">
+      <p:transition spd="slow" p14:dur="2000"/>
+    </mc:Choice>
+    <mc:Fallback>
+      <p:transition xmlns:p14="http://schemas.microsoft.com/office/powerpoint/2010/main" spd="slow"/>
+    </mc:Fallback>
+  </mc:AlternateContent>
 </p:sld>
 </file>
 
-<file path=ppt/slides/slide12.xml><?xml version="1.0" encoding="utf-8"?>
+<file path=ppt/slides/slide13.xml><?xml version="1.0" encoding="utf-8"?>
 <p:sld xmlns:a="http://schemas.openxmlformats.org/drawingml/2006/main" xmlns:r="http://schemas.openxmlformats.org/officeDocument/2006/relationships" xmlns:p="http://schemas.openxmlformats.org/presentationml/2006/main">
   <p:cSld>
     <p:spTree>
@@ -4420,10 +4553,20 @@
             </a:r>
           </a:p>
           <a:p>
+            <a:r>
+              <a:rPr lang="en-US" dirty="0" smtClean="0"/>
+              <a:t>Reasoning:</a:t>
+            </a:r>
+          </a:p>
+          <a:p>
             <a:pPr lvl="2"/>
             <a:r>
               <a:rPr lang="en-US" dirty="0" smtClean="0"/>
-              <a:t>Meat prices have increased while produce prices have decreased based on the Dept. of Labor’s dataset</a:t>
+              <a:t>Meat </a:t>
+            </a:r>
+            <a:r>
+              <a:rPr lang="en-US" dirty="0" smtClean="0"/>
+              <a:t>prices have increased while produce prices have decreased based on the Dept. of Labor’s dataset</a:t>
             </a:r>
           </a:p>
           <a:p>
@@ -4444,12 +4587,13 @@
             <a:pPr lvl="2"/>
             <a:r>
               <a:rPr lang="en-US" dirty="0" smtClean="0"/>
-              <a:t>Cardiovascular health has waned in the last century, with direct correlations to overconsumption of meat</a:t>
-            </a:r>
-          </a:p>
-          <a:p>
-            <a:pPr lvl="2"/>
-            <a:endParaRPr lang="en-US" dirty="0"/>
+              <a:t>Cardiovascular health has waned in the last century, with direct correlations to overconsumption of </a:t>
+            </a:r>
+            <a:r>
+              <a:rPr lang="en-US" dirty="0" smtClean="0"/>
+              <a:t>meat</a:t>
+            </a:r>
+            <a:endParaRPr lang="en-US" dirty="0" smtClean="0"/>
           </a:p>
         </p:txBody>
       </p:sp>
@@ -4500,38 +4644,30 @@
           <a:p>
             <a:r>
               <a:rPr lang="en-US" dirty="0" smtClean="0"/>
-              <a:t>Where’s the </a:t>
-            </a:r>
+              <a:t>Where’s the data from?</a:t>
+            </a:r>
+            <a:endParaRPr lang="en-US" dirty="0"/>
+          </a:p>
+        </p:txBody>
+      </p:sp>
+      <p:sp>
+        <p:nvSpPr>
+          <p:cNvPr id="3" name="Content Placeholder 2"/>
+          <p:cNvSpPr>
+            <a:spLocks noGrp="1"/>
+          </p:cNvSpPr>
+          <p:nvPr>
+            <p:ph idx="1"/>
+          </p:nvPr>
+        </p:nvSpPr>
+        <p:spPr/>
+        <p:txBody>
+          <a:bodyPr/>
+          <a:lstStyle/>
+          <a:p>
             <a:r>
               <a:rPr lang="en-US" dirty="0" smtClean="0"/>
-              <a:t>data from?</a:t>
-            </a:r>
-            <a:endParaRPr lang="en-US" dirty="0"/>
-          </a:p>
-        </p:txBody>
-      </p:sp>
-      <p:sp>
-        <p:nvSpPr>
-          <p:cNvPr id="3" name="Content Placeholder 2"/>
-          <p:cNvSpPr>
-            <a:spLocks noGrp="1"/>
-          </p:cNvSpPr>
-          <p:nvPr>
-            <p:ph idx="1"/>
-          </p:nvPr>
-        </p:nvSpPr>
-        <p:spPr/>
-        <p:txBody>
-          <a:bodyPr/>
-          <a:lstStyle/>
-          <a:p>
-            <a:r>
-              <a:rPr lang="en-US" dirty="0" smtClean="0"/>
-              <a:t>Consumer Expenditure Reports from 2010-</a:t>
-            </a:r>
-            <a:r>
-              <a:rPr lang="en-US" dirty="0" smtClean="0"/>
-              <a:t>2014</a:t>
+              <a:t>Consumer Expenditure Reports from 2010-2014</a:t>
             </a:r>
           </a:p>
           <a:p>
@@ -4557,7 +4693,11 @@
           <a:p>
             <a:r>
               <a:rPr lang="en-US" dirty="0" smtClean="0"/>
-              <a:t>Diary data is meant to collect info on smaller purchases (why I used it)</a:t>
+              <a:t>Diary data is meant to collect info on smaller purchases (why I used it</a:t>
+            </a:r>
+            <a:r>
+              <a:rPr lang="en-US" dirty="0" smtClean="0"/>
+              <a:t>)</a:t>
             </a:r>
             <a:endParaRPr lang="en-US" dirty="0" smtClean="0"/>
           </a:p>
@@ -4609,16 +4749,46 @@
           <a:lstStyle/>
           <a:p>
             <a:r>
-              <a:rPr lang="en-US" dirty="0" smtClean="0"/>
-              <a:t>2014 Meat Consumption</a:t>
-            </a:r>
-            <a:endParaRPr lang="en-US" dirty="0"/>
+              <a:rPr lang="en-US" sz="4000" dirty="0" smtClean="0"/>
+              <a:t>Meat and Produce Consumption by Age</a:t>
+            </a:r>
+            <a:endParaRPr lang="en-US" sz="4000" dirty="0"/>
           </a:p>
         </p:txBody>
       </p:sp>
       <p:pic>
         <p:nvPicPr>
-          <p:cNvPr id="4" name="Content Placeholder 3" descr="MEAT_AGE.png"/>
+          <p:cNvPr id="3" name="Picture 2" descr="PROD_AGE.png"/>
+          <p:cNvPicPr>
+            <a:picLocks noChangeAspect="1"/>
+          </p:cNvPicPr>
+          <p:nvPr/>
+        </p:nvPicPr>
+        <p:blipFill>
+          <a:blip r:embed="rId2" cstate="print">
+            <a:extLst>
+              <a:ext uri="{28A0092B-C50C-407E-A947-70E740481C1C}">
+                <a14:useLocalDpi xmlns:a14="http://schemas.microsoft.com/office/drawing/2010/main" val="0"/>
+              </a:ext>
+            </a:extLst>
+          </a:blip>
+          <a:stretch>
+            <a:fillRect/>
+          </a:stretch>
+        </p:blipFill>
+        <p:spPr>
+          <a:xfrm>
+            <a:off x="4546600" y="2692400"/>
+            <a:ext cx="4597400" cy="3448050"/>
+          </a:xfrm>
+          <a:prstGeom prst="rect">
+            <a:avLst/>
+          </a:prstGeom>
+        </p:spPr>
+      </p:pic>
+      <p:pic>
+        <p:nvPicPr>
+          <p:cNvPr id="5" name="Content Placeholder 3" descr="MEAT_AGE.png"/>
           <p:cNvPicPr>
             <a:picLocks noGrp="1" noChangeAspect="1"/>
           </p:cNvPicPr>
@@ -4627,7 +4797,7 @@
           </p:nvPr>
         </p:nvPicPr>
         <p:blipFill>
-          <a:blip r:embed="rId2" cstate="print">
+          <a:blip r:embed="rId3" cstate="print">
             <a:extLst>
               <a:ext uri="{28A0092B-C50C-407E-A947-70E740481C1C}">
                 <a14:useLocalDpi xmlns:a14="http://schemas.microsoft.com/office/drawing/2010/main" val="0"/>
@@ -4641,81 +4811,21 @@
         </p:blipFill>
         <p:spPr>
           <a:xfrm>
-            <a:off x="-165101" y="1739901"/>
-            <a:ext cx="5126361" cy="2768599"/>
+            <a:off x="-412955" y="2825750"/>
+            <a:ext cx="5573154" cy="3314700"/>
           </a:xfrm>
         </p:spPr>
       </p:pic>
-      <p:pic>
-        <p:nvPicPr>
-          <p:cNvPr id="5" name="Picture 4" descr="MEAT_FAM.png"/>
-          <p:cNvPicPr>
-            <a:picLocks noChangeAspect="1"/>
-          </p:cNvPicPr>
+      <p:sp>
+        <p:nvSpPr>
+          <p:cNvPr id="6" name="TextBox 5"/>
+          <p:cNvSpPr txBox="1"/>
           <p:nvPr/>
-        </p:nvPicPr>
-        <p:blipFill>
-          <a:blip r:embed="rId3" cstate="print">
-            <a:extLst>
-              <a:ext uri="{28A0092B-C50C-407E-A947-70E740481C1C}">
-                <a14:useLocalDpi xmlns:a14="http://schemas.microsoft.com/office/drawing/2010/main" val="0"/>
-              </a:ext>
-            </a:extLst>
-          </a:blip>
-          <a:stretch>
-            <a:fillRect/>
-          </a:stretch>
-        </p:blipFill>
+        </p:nvSpPr>
         <p:spPr>
           <a:xfrm>
-            <a:off x="5054600" y="1841500"/>
-            <a:ext cx="4000500" cy="2667000"/>
-          </a:xfrm>
-          <a:prstGeom prst="rect">
-            <a:avLst/>
-          </a:prstGeom>
-        </p:spPr>
-      </p:pic>
-      <p:pic>
-        <p:nvPicPr>
-          <p:cNvPr id="8" name="Picture 7" descr="MEAT_REG.png"/>
-          <p:cNvPicPr>
-            <a:picLocks noChangeAspect="1"/>
-          </p:cNvPicPr>
-          <p:nvPr/>
-        </p:nvPicPr>
-        <p:blipFill>
-          <a:blip r:embed="rId4" cstate="print">
-            <a:extLst>
-              <a:ext uri="{28A0092B-C50C-407E-A947-70E740481C1C}">
-                <a14:useLocalDpi xmlns:a14="http://schemas.microsoft.com/office/drawing/2010/main" val="0"/>
-              </a:ext>
-            </a:extLst>
-          </a:blip>
-          <a:stretch>
-            <a:fillRect/>
-          </a:stretch>
-        </p:blipFill>
-        <p:spPr>
-          <a:xfrm>
-            <a:off x="3048000" y="4445000"/>
-            <a:ext cx="3562350" cy="2374900"/>
-          </a:xfrm>
-          <a:prstGeom prst="rect">
-            <a:avLst/>
-          </a:prstGeom>
-        </p:spPr>
-      </p:pic>
-      <p:sp>
-        <p:nvSpPr>
-          <p:cNvPr id="9" name="TextBox 8"/>
-          <p:cNvSpPr txBox="1"/>
-          <p:nvPr/>
-        </p:nvSpPr>
-        <p:spPr>
-          <a:xfrm>
-            <a:off x="469899" y="1426500"/>
-            <a:ext cx="8737601" cy="369332"/>
+            <a:off x="469899" y="1444532"/>
+            <a:ext cx="8737601" cy="830997"/>
           </a:xfrm>
           <a:prstGeom prst="rect">
             <a:avLst/>
@@ -4729,25 +4839,35 @@
           <a:lstStyle/>
           <a:p>
             <a:r>
-              <a:rPr lang="en-US" dirty="0" smtClean="0"/>
+              <a:rPr lang="en-US" sz="1600" dirty="0" smtClean="0"/>
               <a:t>The meat category consists of: beef, pork, poultry, seafood, and “</a:t>
             </a:r>
             <a:r>
-              <a:rPr lang="en-US" dirty="0" err="1" smtClean="0"/>
+              <a:rPr lang="en-US" sz="1600" dirty="0" err="1" smtClean="0"/>
               <a:t>othmeat</a:t>
             </a:r>
             <a:r>
-              <a:rPr lang="en-US" dirty="0" smtClean="0"/>
+              <a:rPr lang="en-US" sz="1600" dirty="0" smtClean="0"/>
               <a:t>”</a:t>
             </a:r>
-            <a:endParaRPr lang="en-US" dirty="0"/>
+          </a:p>
+          <a:p>
+            <a:r>
+              <a:rPr lang="en-US" sz="1600" dirty="0"/>
+              <a:t>The produce category consists of: fresh fruit, fresh vegetables, processed fruits, and processed </a:t>
+            </a:r>
+            <a:r>
+              <a:rPr lang="en-US" sz="1600" dirty="0" smtClean="0"/>
+              <a:t>vegetables</a:t>
+            </a:r>
+            <a:endParaRPr lang="en-US" sz="1600" dirty="0"/>
           </a:p>
         </p:txBody>
       </p:sp>
     </p:spTree>
     <p:extLst>
       <p:ext uri="{BB962C8B-B14F-4D97-AF65-F5344CB8AC3E}">
-        <p14:creationId xmlns:p14="http://schemas.microsoft.com/office/powerpoint/2010/main" val="1120416866"/>
+        <p14:creationId xmlns:p14="http://schemas.microsoft.com/office/powerpoint/2010/main" val="1891197019"/>
       </p:ext>
     </p:extLst>
   </p:cSld>
@@ -4790,56 +4910,77 @@
           <a:lstStyle/>
           <a:p>
             <a:r>
-              <a:rPr lang="en-US" dirty="0" smtClean="0"/>
-              <a:t>2014 Produce Consumption</a:t>
-            </a:r>
-            <a:endParaRPr lang="en-US" dirty="0"/>
-          </a:p>
-        </p:txBody>
-      </p:sp>
-      <p:sp>
-        <p:nvSpPr>
-          <p:cNvPr id="4" name="TextBox 3"/>
-          <p:cNvSpPr txBox="1"/>
+              <a:rPr lang="en-US" sz="4000" dirty="0" smtClean="0"/>
+              <a:t>Meat and Produce Consumption by Family Size</a:t>
+            </a:r>
+            <a:endParaRPr lang="en-US" sz="4000" dirty="0"/>
+          </a:p>
+        </p:txBody>
+      </p:sp>
+      <p:pic>
+        <p:nvPicPr>
+          <p:cNvPr id="5" name="Picture 4" descr="MEAT_FAM.png"/>
+          <p:cNvPicPr>
+            <a:picLocks noChangeAspect="1"/>
+          </p:cNvPicPr>
           <p:nvPr/>
-        </p:nvSpPr>
+        </p:nvPicPr>
+        <p:blipFill>
+          <a:blip r:embed="rId2" cstate="print">
+            <a:extLst>
+              <a:ext uri="{28A0092B-C50C-407E-A947-70E740481C1C}">
+                <a14:useLocalDpi xmlns:a14="http://schemas.microsoft.com/office/drawing/2010/main" val="0"/>
+              </a:ext>
+            </a:extLst>
+          </a:blip>
+          <a:stretch>
+            <a:fillRect/>
+          </a:stretch>
+        </p:blipFill>
         <p:spPr>
           <a:xfrm>
-            <a:off x="1" y="1426500"/>
-            <a:ext cx="9143999" cy="646331"/>
+            <a:off x="133350" y="1943100"/>
+            <a:ext cx="4857750" cy="3238500"/>
           </a:xfrm>
           <a:prstGeom prst="rect">
             <a:avLst/>
           </a:prstGeom>
-          <a:noFill/>
         </p:spPr>
-        <p:txBody>
-          <a:bodyPr wrap="square" rtlCol="0">
-            <a:spAutoFit/>
-          </a:bodyPr>
-          <a:lstStyle/>
-          <a:p>
-            <a:pPr algn="ctr"/>
-            <a:r>
-              <a:rPr lang="en-US" dirty="0" smtClean="0"/>
-              <a:t>The produce category consists of: fresh fruit, </a:t>
-            </a:r>
-            <a:r>
-              <a:rPr lang="en-US" dirty="0"/>
-              <a:t>fresh </a:t>
-            </a:r>
-            <a:r>
-              <a:rPr lang="en-US" dirty="0" smtClean="0"/>
-              <a:t>vegetables, processed fruits, and processed vegetables</a:t>
-            </a:r>
-            <a:endParaRPr lang="en-US" dirty="0"/>
-          </a:p>
-        </p:txBody>
-      </p:sp>
+      </p:pic>
+      <p:pic>
+        <p:nvPicPr>
+          <p:cNvPr id="6" name="Picture 5" descr="PROD_FAM.png"/>
+          <p:cNvPicPr>
+            <a:picLocks noChangeAspect="1"/>
+          </p:cNvPicPr>
+          <p:nvPr/>
+        </p:nvPicPr>
+        <p:blipFill>
+          <a:blip r:embed="rId3" cstate="print">
+            <a:extLst>
+              <a:ext uri="{28A0092B-C50C-407E-A947-70E740481C1C}">
+                <a14:useLocalDpi xmlns:a14="http://schemas.microsoft.com/office/drawing/2010/main" val="0"/>
+              </a:ext>
+            </a:extLst>
+          </a:blip>
+          <a:stretch>
+            <a:fillRect/>
+          </a:stretch>
+        </p:blipFill>
+        <p:spPr>
+          <a:xfrm>
+            <a:off x="4787900" y="1943100"/>
+            <a:ext cx="4356100" cy="3267075"/>
+          </a:xfrm>
+          <a:prstGeom prst="rect">
+            <a:avLst/>
+          </a:prstGeom>
+        </p:spPr>
+      </p:pic>
     </p:spTree>
     <p:extLst>
       <p:ext uri="{BB962C8B-B14F-4D97-AF65-F5344CB8AC3E}">
-        <p14:creationId xmlns:p14="http://schemas.microsoft.com/office/powerpoint/2010/main" val="1891197019"/>
+        <p14:creationId xmlns:p14="http://schemas.microsoft.com/office/powerpoint/2010/main" val="1120416866"/>
       </p:ext>
     </p:extLst>
   </p:cSld>
@@ -4882,8 +5023,129 @@
           <a:lstStyle/>
           <a:p>
             <a:r>
+              <a:rPr lang="en-US" sz="4000" dirty="0" smtClean="0"/>
+              <a:t>Meat </a:t>
+            </a:r>
+            <a:r>
+              <a:rPr lang="en-US" sz="4000" dirty="0"/>
+              <a:t>and Produce Consumption by </a:t>
+            </a:r>
+            <a:r>
+              <a:rPr lang="en-US" sz="4000" dirty="0" smtClean="0"/>
+              <a:t>Region</a:t>
+            </a:r>
+            <a:endParaRPr lang="en-US" sz="4000" dirty="0"/>
+          </a:p>
+        </p:txBody>
+      </p:sp>
+      <p:pic>
+        <p:nvPicPr>
+          <p:cNvPr id="5" name="Picture 4" descr="MEAT_REG.png"/>
+          <p:cNvPicPr>
+            <a:picLocks noChangeAspect="1"/>
+          </p:cNvPicPr>
+          <p:nvPr/>
+        </p:nvPicPr>
+        <p:blipFill>
+          <a:blip r:embed="rId2" cstate="print">
+            <a:extLst>
+              <a:ext uri="{28A0092B-C50C-407E-A947-70E740481C1C}">
+                <a14:useLocalDpi xmlns:a14="http://schemas.microsoft.com/office/drawing/2010/main" val="0"/>
+              </a:ext>
+            </a:extLst>
+          </a:blip>
+          <a:stretch>
+            <a:fillRect/>
+          </a:stretch>
+        </p:blipFill>
+        <p:spPr>
+          <a:xfrm>
+            <a:off x="176212" y="1844675"/>
+            <a:ext cx="4929188" cy="3286125"/>
+          </a:xfrm>
+          <a:prstGeom prst="rect">
+            <a:avLst/>
+          </a:prstGeom>
+        </p:spPr>
+      </p:pic>
+      <p:pic>
+        <p:nvPicPr>
+          <p:cNvPr id="6" name="Picture 5" descr="PROD_REG.png"/>
+          <p:cNvPicPr>
+            <a:picLocks noChangeAspect="1"/>
+          </p:cNvPicPr>
+          <p:nvPr/>
+        </p:nvPicPr>
+        <p:blipFill>
+          <a:blip r:embed="rId3" cstate="print">
+            <a:extLst>
+              <a:ext uri="{28A0092B-C50C-407E-A947-70E740481C1C}">
+                <a14:useLocalDpi xmlns:a14="http://schemas.microsoft.com/office/drawing/2010/main" val="0"/>
+              </a:ext>
+            </a:extLst>
+          </a:blip>
+          <a:stretch>
+            <a:fillRect/>
+          </a:stretch>
+        </p:blipFill>
+        <p:spPr>
+          <a:xfrm>
+            <a:off x="4762500" y="1844675"/>
+            <a:ext cx="4381500" cy="3286125"/>
+          </a:xfrm>
+          <a:prstGeom prst="rect">
+            <a:avLst/>
+          </a:prstGeom>
+        </p:spPr>
+      </p:pic>
+    </p:spTree>
+    <p:extLst>
+      <p:ext uri="{BB962C8B-B14F-4D97-AF65-F5344CB8AC3E}">
+        <p14:creationId xmlns:p14="http://schemas.microsoft.com/office/powerpoint/2010/main" val="2652163268"/>
+      </p:ext>
+    </p:extLst>
+  </p:cSld>
+  <p:clrMapOvr>
+    <a:masterClrMapping/>
+  </p:clrMapOvr>
+</p:sld>
+</file>
+
+<file path=ppt/slides/slide7.xml><?xml version="1.0" encoding="utf-8"?>
+<p:sld xmlns:a="http://schemas.openxmlformats.org/drawingml/2006/main" xmlns:r="http://schemas.openxmlformats.org/officeDocument/2006/relationships" xmlns:p="http://schemas.openxmlformats.org/presentationml/2006/main">
+  <p:cSld>
+    <p:spTree>
+      <p:nvGrpSpPr>
+        <p:cNvPr id="1" name=""/>
+        <p:cNvGrpSpPr/>
+        <p:nvPr/>
+      </p:nvGrpSpPr>
+      <p:grpSpPr>
+        <a:xfrm>
+          <a:off x="0" y="0"/>
+          <a:ext cx="0" cy="0"/>
+          <a:chOff x="0" y="0"/>
+          <a:chExt cx="0" cy="0"/>
+        </a:xfrm>
+      </p:grpSpPr>
+      <p:sp>
+        <p:nvSpPr>
+          <p:cNvPr id="2" name="Title 1"/>
+          <p:cNvSpPr>
+            <a:spLocks noGrp="1"/>
+          </p:cNvSpPr>
+          <p:nvPr>
+            <p:ph type="title"/>
+          </p:nvPr>
+        </p:nvSpPr>
+        <p:spPr/>
+        <p:txBody>
+          <a:bodyPr/>
+          <a:lstStyle/>
+          <a:p>
+            <a:r>
               <a:rPr lang="en-US" dirty="0" smtClean="0"/>
-              <a:t>Hiccups</a:t>
+              <a:t>Initial data hiccups</a:t>
             </a:r>
             <a:endParaRPr lang="en-US" dirty="0"/>
           </a:p>
@@ -4926,16 +5188,16 @@
               <a:rPr lang="en-US" dirty="0">
                 <a:hlinkClick r:id="rId2"/>
               </a:rPr>
-              <a:t>http://www.bls.gov/ppi</a:t>
-            </a:r>
-            <a:r>
-              <a:rPr lang="en-US" smtClean="0">
+              <a:t>http://www.bls.gov/regions/mid-atlantic/data/</a:t>
+            </a:r>
+            <a:r>
+              <a:rPr lang="en-US" dirty="0" smtClean="0">
                 <a:hlinkClick r:id="rId2"/>
               </a:rPr>
-              <a:t>/</a:t>
-            </a:r>
-            <a:r>
-              <a:rPr lang="en-US" smtClean="0"/>
+              <a:t>AverageRetailFoodAndEnergyPrices_USandMidwest_Table.htm</a:t>
+            </a:r>
+            <a:r>
+              <a:rPr lang="en-US" dirty="0" smtClean="0"/>
               <a:t> </a:t>
             </a:r>
             <a:endParaRPr lang="en-US" dirty="0" smtClean="0"/>
@@ -4955,7 +5217,7 @@
 </p:sld>
 </file>
 
-<file path=ppt/slides/slide7.xml><?xml version="1.0" encoding="utf-8"?>
+<file path=ppt/slides/slide8.xml><?xml version="1.0" encoding="utf-8"?>
 <p:sld xmlns:a="http://schemas.openxmlformats.org/drawingml/2006/main" xmlns:r="http://schemas.openxmlformats.org/officeDocument/2006/relationships" xmlns:p="http://schemas.openxmlformats.org/presentationml/2006/main">
   <p:cSld>
     <p:spTree>
@@ -5032,82 +5294,6 @@
 </p:sld>
 </file>
 
-<file path=ppt/slides/slide8.xml><?xml version="1.0" encoding="utf-8"?>
-<p:sld xmlns:a="http://schemas.openxmlformats.org/drawingml/2006/main" xmlns:r="http://schemas.openxmlformats.org/officeDocument/2006/relationships" xmlns:p="http://schemas.openxmlformats.org/presentationml/2006/main">
-  <p:cSld>
-    <p:spTree>
-      <p:nvGrpSpPr>
-        <p:cNvPr id="1" name=""/>
-        <p:cNvGrpSpPr/>
-        <p:nvPr/>
-      </p:nvGrpSpPr>
-      <p:grpSpPr>
-        <a:xfrm>
-          <a:off x="0" y="0"/>
-          <a:ext cx="0" cy="0"/>
-          <a:chOff x="0" y="0"/>
-          <a:chExt cx="0" cy="0"/>
-        </a:xfrm>
-      </p:grpSpPr>
-      <p:sp>
-        <p:nvSpPr>
-          <p:cNvPr id="2" name="Title 1"/>
-          <p:cNvSpPr>
-            <a:spLocks noGrp="1"/>
-          </p:cNvSpPr>
-          <p:nvPr>
-            <p:ph type="title"/>
-          </p:nvPr>
-        </p:nvSpPr>
-        <p:spPr/>
-        <p:txBody>
-          <a:bodyPr/>
-          <a:lstStyle/>
-          <a:p>
-            <a:r>
-              <a:rPr lang="en-US" dirty="0" smtClean="0"/>
-              <a:t>Dining In vs. Dining Out</a:t>
-            </a:r>
-            <a:endParaRPr lang="en-US" dirty="0"/>
-          </a:p>
-        </p:txBody>
-      </p:sp>
-      <p:sp>
-        <p:nvSpPr>
-          <p:cNvPr id="3" name="Content Placeholder 2"/>
-          <p:cNvSpPr>
-            <a:spLocks noGrp="1"/>
-          </p:cNvSpPr>
-          <p:nvPr>
-            <p:ph idx="1"/>
-          </p:nvPr>
-        </p:nvSpPr>
-        <p:spPr/>
-        <p:txBody>
-          <a:bodyPr/>
-          <a:lstStyle/>
-          <a:p>
-            <a:r>
-              <a:rPr lang="en-US" dirty="0" smtClean="0"/>
-              <a:t>Data shows </a:t>
-            </a:r>
-            <a:endParaRPr lang="en-US" dirty="0"/>
-          </a:p>
-        </p:txBody>
-      </p:sp>
-    </p:spTree>
-    <p:extLst>
-      <p:ext uri="{BB962C8B-B14F-4D97-AF65-F5344CB8AC3E}">
-        <p14:creationId xmlns:p14="http://schemas.microsoft.com/office/powerpoint/2010/main" val="3832840833"/>
-      </p:ext>
-    </p:extLst>
-  </p:cSld>
-  <p:clrMapOvr>
-    <a:masterClrMapping/>
-  </p:clrMapOvr>
-</p:sld>
-</file>
-
 <file path=ppt/slides/slide9.xml><?xml version="1.0" encoding="utf-8"?>
 <p:sld xmlns:a="http://schemas.openxmlformats.org/drawingml/2006/main" xmlns:r="http://schemas.openxmlformats.org/officeDocument/2006/relationships" xmlns:p="http://schemas.openxmlformats.org/presentationml/2006/main">
   <p:cSld>
@@ -5142,7 +5328,7 @@
           <a:p>
             <a:r>
               <a:rPr lang="en-US" dirty="0" smtClean="0"/>
-              <a:t>Based on what evidence?</a:t>
+              <a:t>Dining In vs. Dining Out</a:t>
             </a:r>
             <a:endParaRPr lang="en-US" dirty="0"/>
           </a:p>
@@ -5160,65 +5346,21 @@
         </p:nvSpPr>
         <p:spPr/>
         <p:txBody>
-          <a:bodyPr>
-            <a:normAutofit lnSpcReduction="10000"/>
-          </a:bodyPr>
+          <a:bodyPr/>
           <a:lstStyle/>
           <a:p>
             <a:r>
               <a:rPr lang="en-US" dirty="0" smtClean="0"/>
-              <a:t>In 2012, Mintel Menu Insights* reported a 66% increase in vegetarian menu options, with a reported 61% positive consumer reviews</a:t>
-            </a:r>
-          </a:p>
-          <a:p>
-            <a:r>
-              <a:rPr lang="en-US" dirty="0" smtClean="0"/>
-              <a:t>In 2013, the National Restaurant Association* surveyed 1,300 professional chefs for top food trends in restaurants, almost 60% said vegetarian dishes would be a new trend</a:t>
-            </a:r>
-          </a:p>
-          <a:p>
-            <a:r>
-              <a:rPr lang="en-US" dirty="0" smtClean="0"/>
-              <a:t>In 2015, OSU introduced its new kelp strain that tastes like bacon and the World Health Organization released research that real bacon can be as much a cancer-causing agent as cigarettes</a:t>
+              <a:t>Data shows </a:t>
             </a:r>
             <a:endParaRPr lang="en-US" dirty="0"/>
-          </a:p>
-        </p:txBody>
-      </p:sp>
-      <p:sp>
-        <p:nvSpPr>
-          <p:cNvPr id="4" name="TextBox 3"/>
-          <p:cNvSpPr txBox="1"/>
-          <p:nvPr/>
-        </p:nvSpPr>
-        <p:spPr>
-          <a:xfrm>
-            <a:off x="4991100" y="6496448"/>
-            <a:ext cx="4152900" cy="307777"/>
-          </a:xfrm>
-          <a:prstGeom prst="rect">
-            <a:avLst/>
-          </a:prstGeom>
-          <a:noFill/>
-        </p:spPr>
-        <p:txBody>
-          <a:bodyPr wrap="square" rtlCol="0">
-            <a:spAutoFit/>
-          </a:bodyPr>
-          <a:lstStyle/>
-          <a:p>
-            <a:r>
-              <a:rPr lang="en-US" sz="1400" dirty="0" smtClean="0"/>
-              <a:t>*Datasets are private and couldn’t verify data</a:t>
-            </a:r>
-            <a:endParaRPr lang="en-US" sz="1400" dirty="0"/>
           </a:p>
         </p:txBody>
       </p:sp>
     </p:spTree>
     <p:extLst>
       <p:ext uri="{BB962C8B-B14F-4D97-AF65-F5344CB8AC3E}">
-        <p14:creationId xmlns:p14="http://schemas.microsoft.com/office/powerpoint/2010/main" val="3690556285"/>
+        <p14:creationId xmlns:p14="http://schemas.microsoft.com/office/powerpoint/2010/main" val="3832840833"/>
       </p:ext>
     </p:extLst>
   </p:cSld>

--- a/DatSciProject_Draft.pptx
+++ b/DatSciProject_Draft.pptx
@@ -12,12 +12,13 @@
     <p:sldId id="266" r:id="rId6"/>
     <p:sldId id="268" r:id="rId7"/>
     <p:sldId id="265" r:id="rId8"/>
-    <p:sldId id="263" r:id="rId9"/>
-    <p:sldId id="264" r:id="rId10"/>
-    <p:sldId id="257" r:id="rId11"/>
-    <p:sldId id="259" r:id="rId12"/>
-    <p:sldId id="262" r:id="rId13"/>
-    <p:sldId id="258" r:id="rId14"/>
+    <p:sldId id="269" r:id="rId9"/>
+    <p:sldId id="270" r:id="rId10"/>
+    <p:sldId id="263" r:id="rId11"/>
+    <p:sldId id="257" r:id="rId12"/>
+    <p:sldId id="259" r:id="rId13"/>
+    <p:sldId id="262" r:id="rId14"/>
+    <p:sldId id="258" r:id="rId15"/>
   </p:sldIdLst>
   <p:sldSz cx="9144000" cy="6858000" type="screen4x3"/>
   <p:notesSz cx="6858000" cy="9144000"/>
@@ -3734,6 +3735,173 @@
 </file>
 
 <file path=ppt/slides/slide10.xml><?xml version="1.0" encoding="utf-8"?>
+<p:sld xmlns:a="http://schemas.openxmlformats.org/drawingml/2006/main" xmlns:r="http://schemas.openxmlformats.org/officeDocument/2006/relationships" xmlns:p="http://schemas.openxmlformats.org/presentationml/2006/main">
+  <p:cSld>
+    <p:spTree>
+      <p:nvGrpSpPr>
+        <p:cNvPr id="1" name=""/>
+        <p:cNvGrpSpPr/>
+        <p:nvPr/>
+      </p:nvGrpSpPr>
+      <p:grpSpPr>
+        <a:xfrm>
+          <a:off x="0" y="0"/>
+          <a:ext cx="0" cy="0"/>
+          <a:chOff x="0" y="0"/>
+          <a:chExt cx="0" cy="0"/>
+        </a:xfrm>
+      </p:grpSpPr>
+      <p:sp>
+        <p:nvSpPr>
+          <p:cNvPr id="2" name="Title 1"/>
+          <p:cNvSpPr>
+            <a:spLocks noGrp="1"/>
+          </p:cNvSpPr>
+          <p:nvPr>
+            <p:ph type="title"/>
+          </p:nvPr>
+        </p:nvSpPr>
+        <p:spPr/>
+        <p:txBody>
+          <a:bodyPr/>
+          <a:lstStyle/>
+          <a:p>
+            <a:r>
+              <a:rPr lang="en-US" dirty="0" smtClean="0"/>
+              <a:t>Well, what about the fact that not everyone eats out?</a:t>
+            </a:r>
+            <a:endParaRPr lang="en-US" dirty="0"/>
+          </a:p>
+        </p:txBody>
+      </p:sp>
+      <p:pic>
+        <p:nvPicPr>
+          <p:cNvPr id="4" name="Picture 3"/>
+          <p:cNvPicPr>
+            <a:picLocks noChangeAspect="1"/>
+          </p:cNvPicPr>
+          <p:nvPr/>
+        </p:nvPicPr>
+        <p:blipFill>
+          <a:blip r:embed="rId2"/>
+          <a:stretch>
+            <a:fillRect/>
+          </a:stretch>
+        </p:blipFill>
+        <p:spPr>
+          <a:xfrm>
+            <a:off x="0" y="1863632"/>
+            <a:ext cx="4421673" cy="3432268"/>
+          </a:xfrm>
+          <a:prstGeom prst="rect">
+            <a:avLst/>
+          </a:prstGeom>
+        </p:spPr>
+      </p:pic>
+      <p:pic>
+        <p:nvPicPr>
+          <p:cNvPr id="5" name="Picture 4" descr="VEG13_HOMAWA.png"/>
+          <p:cNvPicPr>
+            <a:picLocks noChangeAspect="1"/>
+          </p:cNvPicPr>
+          <p:nvPr/>
+        </p:nvPicPr>
+        <p:blipFill>
+          <a:blip r:embed="rId3" cstate="print">
+            <a:extLst>
+              <a:ext uri="{28A0092B-C50C-407E-A947-70E740481C1C}">
+                <a14:useLocalDpi xmlns:a14="http://schemas.microsoft.com/office/drawing/2010/main" val="0"/>
+              </a:ext>
+            </a:extLst>
+          </a:blip>
+          <a:stretch>
+            <a:fillRect/>
+          </a:stretch>
+        </p:blipFill>
+        <p:spPr>
+          <a:xfrm>
+            <a:off x="4421673" y="1663700"/>
+            <a:ext cx="4722327" cy="3632200"/>
+          </a:xfrm>
+          <a:prstGeom prst="rect">
+            <a:avLst/>
+          </a:prstGeom>
+        </p:spPr>
+      </p:pic>
+      <p:sp>
+        <p:nvSpPr>
+          <p:cNvPr id="3" name="TextBox 2"/>
+          <p:cNvSpPr txBox="1"/>
+          <p:nvPr/>
+        </p:nvSpPr>
+        <p:spPr>
+          <a:xfrm>
+            <a:off x="2095500" y="5379640"/>
+            <a:ext cx="1016000" cy="369332"/>
+          </a:xfrm>
+          <a:prstGeom prst="rect">
+            <a:avLst/>
+          </a:prstGeom>
+          <a:noFill/>
+        </p:spPr>
+        <p:txBody>
+          <a:bodyPr wrap="square" rtlCol="0">
+            <a:spAutoFit/>
+          </a:bodyPr>
+          <a:lstStyle/>
+          <a:p>
+            <a:r>
+              <a:rPr lang="en-US" dirty="0" smtClean="0"/>
+              <a:t>2014</a:t>
+            </a:r>
+            <a:endParaRPr lang="en-US" dirty="0"/>
+          </a:p>
+        </p:txBody>
+      </p:sp>
+      <p:sp>
+        <p:nvSpPr>
+          <p:cNvPr id="6" name="TextBox 5"/>
+          <p:cNvSpPr txBox="1"/>
+          <p:nvPr/>
+        </p:nvSpPr>
+        <p:spPr>
+          <a:xfrm>
+            <a:off x="6616700" y="5379640"/>
+            <a:ext cx="1397000" cy="369332"/>
+          </a:xfrm>
+          <a:prstGeom prst="rect">
+            <a:avLst/>
+          </a:prstGeom>
+          <a:noFill/>
+        </p:spPr>
+        <p:txBody>
+          <a:bodyPr wrap="square" rtlCol="0">
+            <a:spAutoFit/>
+          </a:bodyPr>
+          <a:lstStyle/>
+          <a:p>
+            <a:r>
+              <a:rPr lang="en-US" dirty="0" smtClean="0"/>
+              <a:t>2013</a:t>
+            </a:r>
+            <a:endParaRPr lang="en-US" dirty="0"/>
+          </a:p>
+        </p:txBody>
+      </p:sp>
+    </p:spTree>
+    <p:extLst>
+      <p:ext uri="{BB962C8B-B14F-4D97-AF65-F5344CB8AC3E}">
+        <p14:creationId xmlns:p14="http://schemas.microsoft.com/office/powerpoint/2010/main" val="1806352042"/>
+      </p:ext>
+    </p:extLst>
+  </p:cSld>
+  <p:clrMapOvr>
+    <a:masterClrMapping/>
+  </p:clrMapOvr>
+</p:sld>
+</file>
+
+<file path=ppt/slides/slide11.xml><?xml version="1.0" encoding="utf-8"?>
 <p:sld xmlns:a="http://schemas.openxmlformats.org/drawingml/2006/main" xmlns:r="http://schemas.openxmlformats.org/officeDocument/2006/relationships" xmlns:p="http://schemas.openxmlformats.org/presentationml/2006/main" show="0">
   <p:cSld>
     <p:spTree>
@@ -3861,7 +4029,7 @@
 </p:sld>
 </file>
 
-<file path=ppt/slides/slide11.xml><?xml version="1.0" encoding="utf-8"?>
+<file path=ppt/slides/slide12.xml><?xml version="1.0" encoding="utf-8"?>
 <p:sld xmlns:a="http://schemas.openxmlformats.org/drawingml/2006/main" xmlns:r="http://schemas.openxmlformats.org/officeDocument/2006/relationships" xmlns:p="http://schemas.openxmlformats.org/presentationml/2006/main" show="0">
   <p:cSld>
     <p:spTree>
@@ -4017,7 +4185,7 @@
 </p:sld>
 </file>
 
-<file path=ppt/slides/slide12.xml><?xml version="1.0" encoding="utf-8"?>
+<file path=ppt/slides/slide13.xml><?xml version="1.0" encoding="utf-8"?>
 <p:sld xmlns:a="http://schemas.openxmlformats.org/drawingml/2006/main" xmlns:r="http://schemas.openxmlformats.org/officeDocument/2006/relationships" xmlns:p="http://schemas.openxmlformats.org/presentationml/2006/main" show="0">
   <p:cSld>
     <p:spTree>
@@ -4181,7 +4349,7 @@
 </p:sld>
 </file>
 
-<file path=ppt/slides/slide13.xml><?xml version="1.0" encoding="utf-8"?>
+<file path=ppt/slides/slide14.xml><?xml version="1.0" encoding="utf-8"?>
 <p:sld xmlns:a="http://schemas.openxmlformats.org/drawingml/2006/main" xmlns:r="http://schemas.openxmlformats.org/officeDocument/2006/relationships" xmlns:p="http://schemas.openxmlformats.org/presentationml/2006/main">
   <p:cSld>
     <p:spTree>
@@ -4562,11 +4730,7 @@
             <a:pPr lvl="2"/>
             <a:r>
               <a:rPr lang="en-US" dirty="0" smtClean="0"/>
-              <a:t>Meat </a:t>
-            </a:r>
-            <a:r>
-              <a:rPr lang="en-US" dirty="0" smtClean="0"/>
-              <a:t>prices have increased while produce prices have decreased based on the Dept. of Labor’s dataset</a:t>
+              <a:t>Meat prices have increased while produce prices have decreased based on the Dept. of Labor’s dataset</a:t>
             </a:r>
           </a:p>
           <a:p>
@@ -4587,13 +4751,8 @@
             <a:pPr lvl="2"/>
             <a:r>
               <a:rPr lang="en-US" dirty="0" smtClean="0"/>
-              <a:t>Cardiovascular health has waned in the last century, with direct correlations to overconsumption of </a:t>
-            </a:r>
-            <a:r>
-              <a:rPr lang="en-US" dirty="0" smtClean="0"/>
-              <a:t>meat</a:t>
-            </a:r>
-            <a:endParaRPr lang="en-US" dirty="0" smtClean="0"/>
+              <a:t>Cardiovascular health has waned in the last century, with direct correlations to overconsumption of meat</a:t>
+            </a:r>
           </a:p>
         </p:txBody>
       </p:sp>
@@ -4693,13 +4852,8 @@
           <a:p>
             <a:r>
               <a:rPr lang="en-US" dirty="0" smtClean="0"/>
-              <a:t>Diary data is meant to collect info on smaller purchases (why I used it</a:t>
-            </a:r>
-            <a:r>
-              <a:rPr lang="en-US" dirty="0" smtClean="0"/>
-              <a:t>)</a:t>
-            </a:r>
-            <a:endParaRPr lang="en-US" dirty="0" smtClean="0"/>
+              <a:t>Diary data is meant to collect info on smaller purchases (why I used it)</a:t>
+            </a:r>
           </a:p>
         </p:txBody>
       </p:sp>
@@ -5144,10 +5298,10 @@
           <a:lstStyle/>
           <a:p>
             <a:r>
-              <a:rPr lang="en-US" dirty="0" smtClean="0"/>
+              <a:rPr lang="en-US" sz="4000" dirty="0" smtClean="0"/>
               <a:t>Initial data hiccups</a:t>
             </a:r>
-            <a:endParaRPr lang="en-US" dirty="0"/>
+            <a:endParaRPr lang="en-US" sz="4000" dirty="0"/>
           </a:p>
         </p:txBody>
       </p:sp>
@@ -5200,7 +5354,6 @@
               <a:rPr lang="en-US" dirty="0" smtClean="0"/>
               <a:t> </a:t>
             </a:r>
-            <a:endParaRPr lang="en-US" dirty="0" smtClean="0"/>
           </a:p>
         </p:txBody>
       </p:sp>
@@ -5250,41 +5403,470 @@
           <a:lstStyle/>
           <a:p>
             <a:r>
-              <a:rPr lang="en-US" dirty="0" smtClean="0"/>
-              <a:t>Well, what about the fact that not everyone eats out?</a:t>
-            </a:r>
-            <a:endParaRPr lang="en-US" dirty="0"/>
-          </a:p>
-        </p:txBody>
-      </p:sp>
-      <p:pic>
-        <p:nvPicPr>
-          <p:cNvPr id="4" name="Picture 3"/>
-          <p:cNvPicPr>
-            <a:picLocks noChangeAspect="1"/>
-          </p:cNvPicPr>
+              <a:rPr lang="en-US" sz="4000" dirty="0" smtClean="0"/>
+              <a:t>Interesting points within data </a:t>
+            </a:r>
+            <a:endParaRPr lang="en-US" sz="4000" dirty="0"/>
+          </a:p>
+        </p:txBody>
+      </p:sp>
+      <p:graphicFrame>
+        <p:nvGraphicFramePr>
+          <p:cNvPr id="4" name="Content Placeholder 3"/>
+          <p:cNvGraphicFramePr>
+            <a:graphicFrameLocks noGrp="1"/>
+          </p:cNvGraphicFramePr>
+          <p:nvPr>
+            <p:ph idx="1"/>
+            <p:extLst>
+              <p:ext uri="{D42A27DB-BD31-4B8C-83A1-F6EECF244321}">
+                <p14:modId xmlns:p14="http://schemas.microsoft.com/office/powerpoint/2010/main" val="1707535811"/>
+              </p:ext>
+            </p:extLst>
+          </p:nvPr>
+        </p:nvGraphicFramePr>
+        <p:xfrm>
+          <a:off x="396871" y="1600200"/>
+          <a:ext cx="8582028" cy="1483360"/>
+        </p:xfrm>
+        <a:graphic>
+          <a:graphicData uri="http://schemas.openxmlformats.org/drawingml/2006/table">
+            <a:tbl>
+              <a:tblPr firstRow="1" bandRow="1">
+                <a:tableStyleId>{21E4AEA4-8DFA-4A89-87EB-49C32662AFE0}</a:tableStyleId>
+              </a:tblPr>
+              <a:tblGrid>
+                <a:gridCol w="1952629"/>
+                <a:gridCol w="1447800"/>
+                <a:gridCol w="1473200"/>
+                <a:gridCol w="1231900"/>
+                <a:gridCol w="1219200"/>
+                <a:gridCol w="1257299"/>
+              </a:tblGrid>
+              <a:tr h="370840">
+                <a:tc>
+                  <a:txBody>
+                    <a:bodyPr/>
+                    <a:lstStyle/>
+                    <a:p>
+                      <a:endParaRPr lang="en-US" dirty="0"/>
+                    </a:p>
+                  </a:txBody>
+                  <a:tcPr/>
+                </a:tc>
+                <a:tc>
+                  <a:txBody>
+                    <a:bodyPr/>
+                    <a:lstStyle/>
+                    <a:p>
+                      <a:r>
+                        <a:rPr lang="en-US" dirty="0" smtClean="0"/>
+                        <a:t>2010</a:t>
+                      </a:r>
+                      <a:endParaRPr lang="en-US" dirty="0"/>
+                    </a:p>
+                  </a:txBody>
+                  <a:tcPr/>
+                </a:tc>
+                <a:tc>
+                  <a:txBody>
+                    <a:bodyPr/>
+                    <a:lstStyle/>
+                    <a:p>
+                      <a:r>
+                        <a:rPr lang="en-US" dirty="0" smtClean="0"/>
+                        <a:t>2011</a:t>
+                      </a:r>
+                      <a:endParaRPr lang="en-US" dirty="0"/>
+                    </a:p>
+                  </a:txBody>
+                  <a:tcPr/>
+                </a:tc>
+                <a:tc>
+                  <a:txBody>
+                    <a:bodyPr/>
+                    <a:lstStyle/>
+                    <a:p>
+                      <a:r>
+                        <a:rPr lang="en-US" dirty="0" smtClean="0"/>
+                        <a:t>2012</a:t>
+                      </a:r>
+                      <a:endParaRPr lang="en-US" dirty="0"/>
+                    </a:p>
+                  </a:txBody>
+                  <a:tcPr/>
+                </a:tc>
+                <a:tc>
+                  <a:txBody>
+                    <a:bodyPr/>
+                    <a:lstStyle/>
+                    <a:p>
+                      <a:r>
+                        <a:rPr lang="en-US" dirty="0" smtClean="0"/>
+                        <a:t>2013</a:t>
+                      </a:r>
+                      <a:endParaRPr lang="en-US" dirty="0"/>
+                    </a:p>
+                  </a:txBody>
+                  <a:tcPr/>
+                </a:tc>
+                <a:tc>
+                  <a:txBody>
+                    <a:bodyPr/>
+                    <a:lstStyle/>
+                    <a:p>
+                      <a:r>
+                        <a:rPr lang="en-US" dirty="0" smtClean="0"/>
+                        <a:t>2014</a:t>
+                      </a:r>
+                      <a:endParaRPr lang="en-US" dirty="0"/>
+                    </a:p>
+                  </a:txBody>
+                  <a:tcPr/>
+                </a:tc>
+              </a:tr>
+              <a:tr h="370840">
+                <a:tc>
+                  <a:txBody>
+                    <a:bodyPr/>
+                    <a:lstStyle/>
+                    <a:p>
+                      <a:r>
+                        <a:rPr lang="en-US" dirty="0" smtClean="0"/>
+                        <a:t>Meat units*</a:t>
+                      </a:r>
+                      <a:endParaRPr lang="en-US" dirty="0"/>
+                    </a:p>
+                  </a:txBody>
+                  <a:tcPr/>
+                </a:tc>
+                <a:tc>
+                  <a:txBody>
+                    <a:bodyPr/>
+                    <a:lstStyle/>
+                    <a:p>
+                      <a:r>
+                        <a:rPr lang="en-US" dirty="0" smtClean="0"/>
+                        <a:t>1,645.05</a:t>
+                      </a:r>
+                      <a:endParaRPr lang="en-US" dirty="0"/>
+                    </a:p>
+                  </a:txBody>
+                  <a:tcPr/>
+                </a:tc>
+                <a:tc>
+                  <a:txBody>
+                    <a:bodyPr/>
+                    <a:lstStyle/>
+                    <a:p>
+                      <a:r>
+                        <a:rPr lang="en-US" dirty="0" smtClean="0"/>
+                        <a:t>1610.15</a:t>
+                      </a:r>
+                      <a:endParaRPr lang="en-US" dirty="0"/>
+                    </a:p>
+                  </a:txBody>
+                  <a:tcPr/>
+                </a:tc>
+                <a:tc>
+                  <a:txBody>
+                    <a:bodyPr/>
+                    <a:lstStyle/>
+                    <a:p>
+                      <a:r>
+                        <a:rPr lang="en-US" dirty="0" smtClean="0"/>
+                        <a:t>1605.38</a:t>
+                      </a:r>
+                      <a:endParaRPr lang="en-US" dirty="0"/>
+                    </a:p>
+                  </a:txBody>
+                  <a:tcPr/>
+                </a:tc>
+                <a:tc>
+                  <a:txBody>
+                    <a:bodyPr/>
+                    <a:lstStyle/>
+                    <a:p>
+                      <a:r>
+                        <a:rPr lang="en-US" dirty="0" smtClean="0"/>
+                        <a:t>6.77</a:t>
+                      </a:r>
+                      <a:endParaRPr lang="en-US" dirty="0"/>
+                    </a:p>
+                  </a:txBody>
+                  <a:tcPr/>
+                </a:tc>
+                <a:tc>
+                  <a:txBody>
+                    <a:bodyPr/>
+                    <a:lstStyle/>
+                    <a:p>
+                      <a:r>
+                        <a:rPr lang="en-US" dirty="0" smtClean="0"/>
+                        <a:t>6.72</a:t>
+                      </a:r>
+                      <a:endParaRPr lang="en-US" dirty="0"/>
+                    </a:p>
+                  </a:txBody>
+                  <a:tcPr/>
+                </a:tc>
+              </a:tr>
+              <a:tr h="370840">
+                <a:tc>
+                  <a:txBody>
+                    <a:bodyPr/>
+                    <a:lstStyle/>
+                    <a:p>
+                      <a:pPr marL="0" marR="0" indent="0" algn="l" defTabSz="914400" rtl="0" eaLnBrk="1" fontAlgn="auto" latinLnBrk="0" hangingPunct="1">
+                        <a:lnSpc>
+                          <a:spcPct val="100000"/>
+                        </a:lnSpc>
+                        <a:spcBef>
+                          <a:spcPts val="0"/>
+                        </a:spcBef>
+                        <a:spcAft>
+                          <a:spcPts val="0"/>
+                        </a:spcAft>
+                        <a:buClrTx/>
+                        <a:buSzTx/>
+                        <a:buFontTx/>
+                        <a:buNone/>
+                        <a:tabLst/>
+                        <a:defRPr/>
+                      </a:pPr>
+                      <a:r>
+                        <a:rPr lang="en-US" dirty="0" smtClean="0"/>
+                        <a:t>Produce units*</a:t>
+                      </a:r>
+                      <a:endParaRPr lang="en-US" dirty="0"/>
+                    </a:p>
+                  </a:txBody>
+                  <a:tcPr/>
+                </a:tc>
+                <a:tc>
+                  <a:txBody>
+                    <a:bodyPr/>
+                    <a:lstStyle/>
+                    <a:p>
+                      <a:r>
+                        <a:rPr lang="en-US" dirty="0" smtClean="0"/>
+                        <a:t>2000.24</a:t>
+                      </a:r>
+                      <a:endParaRPr lang="en-US" dirty="0"/>
+                    </a:p>
+                  </a:txBody>
+                  <a:tcPr/>
+                </a:tc>
+                <a:tc>
+                  <a:txBody>
+                    <a:bodyPr/>
+                    <a:lstStyle/>
+                    <a:p>
+                      <a:r>
+                        <a:rPr lang="en-US" dirty="0" smtClean="0"/>
+                        <a:t>1732.67</a:t>
+                      </a:r>
+                      <a:endParaRPr lang="en-US" dirty="0"/>
+                    </a:p>
+                  </a:txBody>
+                  <a:tcPr/>
+                </a:tc>
+                <a:tc>
+                  <a:txBody>
+                    <a:bodyPr/>
+                    <a:lstStyle/>
+                    <a:p>
+                      <a:r>
+                        <a:rPr lang="en-US" dirty="0" smtClean="0"/>
+                        <a:t>1741.28</a:t>
+                      </a:r>
+                      <a:endParaRPr lang="en-US" dirty="0"/>
+                    </a:p>
+                  </a:txBody>
+                  <a:tcPr/>
+                </a:tc>
+                <a:tc>
+                  <a:txBody>
+                    <a:bodyPr/>
+                    <a:lstStyle/>
+                    <a:p>
+                      <a:r>
+                        <a:rPr lang="en-US" dirty="0" smtClean="0"/>
+                        <a:t>10.02</a:t>
+                      </a:r>
+                      <a:endParaRPr lang="en-US" dirty="0"/>
+                    </a:p>
+                  </a:txBody>
+                  <a:tcPr/>
+                </a:tc>
+                <a:tc>
+                  <a:txBody>
+                    <a:bodyPr/>
+                    <a:lstStyle/>
+                    <a:p>
+                      <a:r>
+                        <a:rPr lang="en-US" dirty="0" smtClean="0"/>
+                        <a:t>9.05</a:t>
+                      </a:r>
+                      <a:endParaRPr lang="en-US" dirty="0"/>
+                    </a:p>
+                  </a:txBody>
+                  <a:tcPr/>
+                </a:tc>
+              </a:tr>
+              <a:tr h="370840">
+                <a:tc>
+                  <a:txBody>
+                    <a:bodyPr/>
+                    <a:lstStyle/>
+                    <a:p>
+                      <a:pPr marL="0" marR="0" indent="0" algn="l" defTabSz="914400" rtl="0" eaLnBrk="1" fontAlgn="auto" latinLnBrk="0" hangingPunct="1">
+                        <a:lnSpc>
+                          <a:spcPct val="100000"/>
+                        </a:lnSpc>
+                        <a:spcBef>
+                          <a:spcPts val="0"/>
+                        </a:spcBef>
+                        <a:spcAft>
+                          <a:spcPts val="0"/>
+                        </a:spcAft>
+                        <a:buClrTx/>
+                        <a:buSzTx/>
+                        <a:buFontTx/>
+                        <a:buNone/>
+                        <a:tabLst/>
+                        <a:defRPr/>
+                      </a:pPr>
+                      <a:r>
+                        <a:rPr lang="en-US" dirty="0" smtClean="0"/>
+                        <a:t>Family Size</a:t>
+                      </a:r>
+                      <a:endParaRPr lang="en-US" dirty="0"/>
+                    </a:p>
+                  </a:txBody>
+                  <a:tcPr/>
+                </a:tc>
+                <a:tc>
+                  <a:txBody>
+                    <a:bodyPr/>
+                    <a:lstStyle/>
+                    <a:p>
+                      <a:r>
+                        <a:rPr lang="en-US" dirty="0" smtClean="0"/>
+                        <a:t>1.8</a:t>
+                      </a:r>
+                      <a:endParaRPr lang="en-US" dirty="0"/>
+                    </a:p>
+                  </a:txBody>
+                  <a:tcPr/>
+                </a:tc>
+                <a:tc>
+                  <a:txBody>
+                    <a:bodyPr/>
+                    <a:lstStyle/>
+                    <a:p>
+                      <a:r>
+                        <a:rPr lang="en-US" dirty="0" smtClean="0"/>
+                        <a:t>1.76</a:t>
+                      </a:r>
+                      <a:endParaRPr lang="en-US" dirty="0"/>
+                    </a:p>
+                  </a:txBody>
+                  <a:tcPr/>
+                </a:tc>
+                <a:tc>
+                  <a:txBody>
+                    <a:bodyPr/>
+                    <a:lstStyle/>
+                    <a:p>
+                      <a:r>
+                        <a:rPr lang="en-US" dirty="0" smtClean="0"/>
+                        <a:t>1.77</a:t>
+                      </a:r>
+                      <a:endParaRPr lang="en-US" dirty="0"/>
+                    </a:p>
+                  </a:txBody>
+                  <a:tcPr/>
+                </a:tc>
+                <a:tc>
+                  <a:txBody>
+                    <a:bodyPr/>
+                    <a:lstStyle/>
+                    <a:p>
+                      <a:r>
+                        <a:rPr lang="en-US" dirty="0" smtClean="0"/>
+                        <a:t>2.44</a:t>
+                      </a:r>
+                      <a:endParaRPr lang="en-US" dirty="0"/>
+                    </a:p>
+                  </a:txBody>
+                  <a:tcPr/>
+                </a:tc>
+                <a:tc>
+                  <a:txBody>
+                    <a:bodyPr/>
+                    <a:lstStyle/>
+                    <a:p>
+                      <a:r>
+                        <a:rPr lang="en-US" dirty="0" smtClean="0"/>
+                        <a:t>2.45</a:t>
+                      </a:r>
+                      <a:endParaRPr lang="en-US" dirty="0"/>
+                    </a:p>
+                  </a:txBody>
+                  <a:tcPr/>
+                </a:tc>
+              </a:tr>
+            </a:tbl>
+          </a:graphicData>
+        </a:graphic>
+      </p:graphicFrame>
+      <p:sp>
+        <p:nvSpPr>
+          <p:cNvPr id="5" name="TextBox 4"/>
+          <p:cNvSpPr txBox="1"/>
           <p:nvPr/>
-        </p:nvPicPr>
-        <p:blipFill>
-          <a:blip r:embed="rId2"/>
-          <a:stretch>
-            <a:fillRect/>
-          </a:stretch>
-        </p:blipFill>
+        </p:nvSpPr>
         <p:spPr>
           <a:xfrm>
-            <a:off x="1561838" y="1444532"/>
-            <a:ext cx="5918461" cy="4594132"/>
+            <a:off x="3416300" y="3114774"/>
+            <a:ext cx="5562599" cy="338554"/>
           </a:xfrm>
           <a:prstGeom prst="rect">
             <a:avLst/>
           </a:prstGeom>
+          <a:noFill/>
         </p:spPr>
-      </p:pic>
+        <p:txBody>
+          <a:bodyPr wrap="square" rtlCol="0">
+            <a:spAutoFit/>
+          </a:bodyPr>
+          <a:lstStyle/>
+          <a:p>
+            <a:r>
+              <a:rPr lang="en-US" sz="1600" dirty="0" smtClean="0"/>
+              <a:t>*Measured average </a:t>
+            </a:r>
+            <a:r>
+              <a:rPr lang="en-US" sz="1600" dirty="0" err="1"/>
+              <a:t>lbs</a:t>
+            </a:r>
+            <a:r>
+              <a:rPr lang="en-US" sz="1600" dirty="0"/>
+              <a:t>/household purchased per </a:t>
+            </a:r>
+            <a:r>
+              <a:rPr lang="en-US" sz="1600" dirty="0" smtClean="0"/>
+              <a:t>year</a:t>
+            </a:r>
+            <a:endParaRPr lang="en-US" sz="1600" dirty="0"/>
+          </a:p>
+        </p:txBody>
+      </p:sp>
     </p:spTree>
     <p:extLst>
       <p:ext uri="{BB962C8B-B14F-4D97-AF65-F5344CB8AC3E}">
-        <p14:creationId xmlns:p14="http://schemas.microsoft.com/office/powerpoint/2010/main" val="1806352042"/>
+        <p14:creationId xmlns:p14="http://schemas.microsoft.com/office/powerpoint/2010/main" val="3231427321"/>
       </p:ext>
     </p:extLst>
   </p:cSld>
@@ -5327,31 +5909,46 @@
           <a:lstStyle/>
           <a:p>
             <a:r>
+              <a:rPr lang="en-US" sz="4000" dirty="0" smtClean="0"/>
+              <a:t>A few possible reasons to explore:</a:t>
+            </a:r>
+            <a:endParaRPr lang="en-US" sz="4000" dirty="0"/>
+          </a:p>
+        </p:txBody>
+      </p:sp>
+      <p:sp>
+        <p:nvSpPr>
+          <p:cNvPr id="3" name="Content Placeholder 2"/>
+          <p:cNvSpPr>
+            <a:spLocks noGrp="1"/>
+          </p:cNvSpPr>
+          <p:nvPr>
+            <p:ph idx="1"/>
+          </p:nvPr>
+        </p:nvSpPr>
+        <p:spPr/>
+        <p:txBody>
+          <a:bodyPr/>
+          <a:lstStyle/>
+          <a:p>
+            <a:r>
               <a:rPr lang="en-US" dirty="0" smtClean="0"/>
-              <a:t>Dining In vs. Dining Out</a:t>
-            </a:r>
-            <a:endParaRPr lang="en-US" dirty="0"/>
-          </a:p>
-        </p:txBody>
-      </p:sp>
-      <p:sp>
-        <p:nvSpPr>
-          <p:cNvPr id="3" name="Content Placeholder 2"/>
-          <p:cNvSpPr>
-            <a:spLocks noGrp="1"/>
-          </p:cNvSpPr>
-          <p:nvPr>
-            <p:ph idx="1"/>
-          </p:nvPr>
-        </p:nvSpPr>
-        <p:spPr/>
-        <p:txBody>
-          <a:bodyPr/>
-          <a:lstStyle/>
+              <a:t>The code is wrong on either the lower or higher years</a:t>
+            </a:r>
+          </a:p>
           <a:p>
             <a:r>
               <a:rPr lang="en-US" dirty="0" smtClean="0"/>
-              <a:t>Data shows </a:t>
+              <a:t>The code is fine and need more data to explain</a:t>
+            </a:r>
+          </a:p>
+          <a:p>
+            <a:pPr marL="0" indent="0" algn="ctr">
+              <a:buNone/>
+            </a:pPr>
+            <a:r>
+              <a:rPr lang="en-US" dirty="0" smtClean="0"/>
+              <a:t>Or… </a:t>
             </a:r>
             <a:endParaRPr lang="en-US" dirty="0"/>
           </a:p>
@@ -5360,7 +5957,7 @@
     </p:spTree>
     <p:extLst>
       <p:ext uri="{BB962C8B-B14F-4D97-AF65-F5344CB8AC3E}">
-        <p14:creationId xmlns:p14="http://schemas.microsoft.com/office/powerpoint/2010/main" val="3832840833"/>
+        <p14:creationId xmlns:p14="http://schemas.microsoft.com/office/powerpoint/2010/main" val="1413643523"/>
       </p:ext>
     </p:extLst>
   </p:cSld>

--- a/DatSciProject_Draft.pptx
+++ b/DatSciProject_Draft.pptx
@@ -403,7 +403,7 @@
           <a:p>
             <a:fld id="{B01F9CA3-105E-4857-9057-6DB6197DA786}" type="datetimeFigureOut">
               <a:rPr lang="en-US" smtClean="0"/>
-              <a:t>12/3/15</a:t>
+              <a:t>12/17/15</a:t>
             </a:fld>
             <a:endParaRPr lang="en-US"/>
           </a:p>
@@ -595,7 +595,7 @@
           <a:p>
             <a:fld id="{B01F9CA3-105E-4857-9057-6DB6197DA786}" type="datetimeFigureOut">
               <a:rPr lang="en-US" smtClean="0"/>
-              <a:t>12/3/15</a:t>
+              <a:t>12/17/15</a:t>
             </a:fld>
             <a:endParaRPr lang="en-US"/>
           </a:p>
@@ -864,7 +864,7 @@
           <a:p>
             <a:fld id="{B01F9CA3-105E-4857-9057-6DB6197DA786}" type="datetimeFigureOut">
               <a:rPr lang="en-US" smtClean="0"/>
-              <a:t>12/3/15</a:t>
+              <a:t>12/17/15</a:t>
             </a:fld>
             <a:endParaRPr lang="en-US"/>
           </a:p>
@@ -1043,7 +1043,7 @@
           <a:p>
             <a:fld id="{B01F9CA3-105E-4857-9057-6DB6197DA786}" type="datetimeFigureOut">
               <a:rPr lang="en-US" smtClean="0"/>
-              <a:t>12/3/15</a:t>
+              <a:t>12/17/15</a:t>
             </a:fld>
             <a:endParaRPr lang="en-US"/>
           </a:p>
@@ -1212,7 +1212,7 @@
           <a:p>
             <a:fld id="{B01F9CA3-105E-4857-9057-6DB6197DA786}" type="datetimeFigureOut">
               <a:rPr lang="en-US" smtClean="0"/>
-              <a:t>12/3/15</a:t>
+              <a:t>12/17/15</a:t>
             </a:fld>
             <a:endParaRPr lang="en-US"/>
           </a:p>
@@ -1454,7 +1454,7 @@
           <a:p>
             <a:fld id="{B01F9CA3-105E-4857-9057-6DB6197DA786}" type="datetimeFigureOut">
               <a:rPr lang="en-US" smtClean="0"/>
-              <a:t>12/3/15</a:t>
+              <a:t>12/17/15</a:t>
             </a:fld>
             <a:endParaRPr lang="en-US"/>
           </a:p>
@@ -1777,7 +1777,7 @@
           <a:p>
             <a:fld id="{B01F9CA3-105E-4857-9057-6DB6197DA786}" type="datetimeFigureOut">
               <a:rPr lang="en-US" smtClean="0"/>
-              <a:t>12/3/15</a:t>
+              <a:t>12/17/15</a:t>
             </a:fld>
             <a:endParaRPr lang="en-US"/>
           </a:p>
@@ -2075,7 +2075,7 @@
           <a:p>
             <a:fld id="{B01F9CA3-105E-4857-9057-6DB6197DA786}" type="datetimeFigureOut">
               <a:rPr lang="en-US" smtClean="0"/>
-              <a:t>12/3/15</a:t>
+              <a:t>12/17/15</a:t>
             </a:fld>
             <a:endParaRPr lang="en-US"/>
           </a:p>
@@ -2531,7 +2531,7 @@
           <a:p>
             <a:fld id="{B01F9CA3-105E-4857-9057-6DB6197DA786}" type="datetimeFigureOut">
               <a:rPr lang="en-US" smtClean="0"/>
-              <a:t>12/3/15</a:t>
+              <a:t>12/17/15</a:t>
             </a:fld>
             <a:endParaRPr lang="en-US"/>
           </a:p>
@@ -2644,7 +2644,7 @@
           <a:p>
             <a:fld id="{B01F9CA3-105E-4857-9057-6DB6197DA786}" type="datetimeFigureOut">
               <a:rPr lang="en-US" smtClean="0"/>
-              <a:t>12/3/15</a:t>
+              <a:t>12/17/15</a:t>
             </a:fld>
             <a:endParaRPr lang="en-US"/>
           </a:p>
@@ -2734,7 +2734,7 @@
           <a:p>
             <a:fld id="{B01F9CA3-105E-4857-9057-6DB6197DA786}" type="datetimeFigureOut">
               <a:rPr lang="en-US" smtClean="0"/>
-              <a:t>12/3/15</a:t>
+              <a:t>12/17/15</a:t>
             </a:fld>
             <a:endParaRPr lang="en-US"/>
           </a:p>
@@ -3016,7 +3016,7 @@
           <a:p>
             <a:fld id="{B01F9CA3-105E-4857-9057-6DB6197DA786}" type="datetimeFigureOut">
               <a:rPr lang="en-US" smtClean="0"/>
-              <a:t>12/3/15</a:t>
+              <a:t>12/17/15</a:t>
             </a:fld>
             <a:endParaRPr lang="en-US"/>
           </a:p>
@@ -3222,7 +3222,7 @@
           <a:p>
             <a:fld id="{B01F9CA3-105E-4857-9057-6DB6197DA786}" type="datetimeFigureOut">
               <a:rPr lang="en-US" smtClean="0"/>
-              <a:t>12/3/15</a:t>
+              <a:t>12/17/15</a:t>
             </a:fld>
             <a:endParaRPr lang="en-US"/>
           </a:p>
